--- a/translations/en-us/fll/Experts.pptx
+++ b/translations/en-us/fll/Experts.pptx
@@ -5,11 +5,12 @@
     <p:sldMasterId id="2147483779" r:id="rId1"/>
   </p:sldMasterIdLst>
   <p:notesMasterIdLst>
-    <p:notesMasterId r:id="rId4"/>
+    <p:notesMasterId r:id="rId5"/>
   </p:notesMasterIdLst>
   <p:sldIdLst>
     <p:sldId id="256" r:id="rId2"/>
-    <p:sldId id="257" r:id="rId3"/>
+    <p:sldId id="259" r:id="rId3"/>
+    <p:sldId id="258" r:id="rId4"/>
   </p:sldIdLst>
   <p:sldSz cx="9144000" cy="6858000" type="screen4x3"/>
   <p:notesSz cx="6858000" cy="9144000"/>
@@ -4829,7 +4830,7 @@
           <a:bodyPr/>
           <a:lstStyle/>
           <a:p>
-            <a:endParaRPr lang="en-US" dirty="0"/>
+            <a:endParaRPr lang="en-US"/>
           </a:p>
         </p:txBody>
       </p:sp>
@@ -4882,7 +4883,213 @@
     </p:spTree>
     <p:extLst>
       <p:ext uri="{BB962C8B-B14F-4D97-AF65-F5344CB8AC3E}">
-        <p14:creationId xmlns:p14="http://schemas.microsoft.com/office/powerpoint/2010/main" val="663123803"/>
+        <p14:creationId xmlns:p14="http://schemas.microsoft.com/office/powerpoint/2010/main" val="1753707919"/>
+      </p:ext>
+    </p:extLst>
+  </p:cSld>
+  <p:clrMapOvr>
+    <a:masterClrMapping/>
+  </p:clrMapOvr>
+</p:sld>
+</file>
+
+<file path=ppt/slides/slide3.xml><?xml version="1.0" encoding="utf-8"?>
+<p:sld xmlns:a="http://schemas.openxmlformats.org/drawingml/2006/main" xmlns:r="http://schemas.openxmlformats.org/officeDocument/2006/relationships" xmlns:p="http://schemas.openxmlformats.org/presentationml/2006/main">
+  <p:cSld>
+    <p:spTree>
+      <p:nvGrpSpPr>
+        <p:cNvPr id="1" name=""/>
+        <p:cNvGrpSpPr/>
+        <p:nvPr/>
+      </p:nvGrpSpPr>
+      <p:grpSpPr>
+        <a:xfrm>
+          <a:off x="0" y="0"/>
+          <a:ext cx="0" cy="0"/>
+          <a:chOff x="0" y="0"/>
+          <a:chExt cx="0" cy="0"/>
+        </a:xfrm>
+      </p:grpSpPr>
+      <p:sp>
+        <p:nvSpPr>
+          <p:cNvPr id="2" name="Title 1"/>
+          <p:cNvSpPr>
+            <a:spLocks noGrp="1"/>
+          </p:cNvSpPr>
+          <p:nvPr>
+            <p:ph type="title"/>
+          </p:nvPr>
+        </p:nvSpPr>
+        <p:spPr/>
+        <p:txBody>
+          <a:bodyPr/>
+          <a:lstStyle/>
+          <a:p>
+            <a:r>
+              <a:rPr lang="en-US" dirty="0"/>
+              <a:t>Credits</a:t>
+            </a:r>
+          </a:p>
+        </p:txBody>
+      </p:sp>
+      <p:sp>
+        <p:nvSpPr>
+          <p:cNvPr id="3" name="Content Placeholder 2"/>
+          <p:cNvSpPr>
+            <a:spLocks noGrp="1"/>
+          </p:cNvSpPr>
+          <p:nvPr>
+            <p:ph idx="1"/>
+          </p:nvPr>
+        </p:nvSpPr>
+        <p:spPr>
+          <a:xfrm>
+            <a:off x="241739" y="1845734"/>
+            <a:ext cx="8681544" cy="4023360"/>
+          </a:xfrm>
+        </p:spPr>
+        <p:txBody>
+          <a:bodyPr>
+            <a:normAutofit/>
+          </a:bodyPr>
+          <a:lstStyle/>
+          <a:p>
+            <a:r>
+              <a:rPr lang="en-US" dirty="0"/>
+              <a:t>This lesson was written by Team 3659 NeXT </a:t>
+            </a:r>
+            <a:r>
+              <a:rPr lang="en-US" dirty="0" smtClean="0"/>
+              <a:t>GEN, with some edits by EV3Lessons</a:t>
+            </a:r>
+          </a:p>
+          <a:p>
+            <a:r>
+              <a:rPr lang="en-US" dirty="0" smtClean="0"/>
+              <a:t>You can </a:t>
+            </a:r>
+            <a:r>
+              <a:rPr lang="en-US" dirty="0"/>
+              <a:t>contact Team 3659 NeXT GEN through </a:t>
+            </a:r>
+            <a:r>
+              <a:rPr lang="en-US" dirty="0" smtClean="0"/>
+              <a:t>their Facebook page: </a:t>
+            </a:r>
+            <a:r>
+              <a:rPr lang="en-US" dirty="0"/>
+              <a:t>Garrett County </a:t>
+            </a:r>
+            <a:r>
+              <a:rPr lang="en-US" dirty="0" smtClean="0"/>
+              <a:t>FIRST LEGO </a:t>
+            </a:r>
+            <a:r>
+              <a:rPr lang="en-US" dirty="0"/>
+              <a:t>League Team 3659. </a:t>
+            </a:r>
+            <a:endParaRPr lang="en-US" dirty="0" smtClean="0"/>
+          </a:p>
+          <a:p>
+            <a:r>
+              <a:rPr lang="en-US" dirty="0" smtClean="0"/>
+              <a:t>More lessons available at www.ev3lesssons.com</a:t>
+            </a:r>
+            <a:endParaRPr lang="en-US" dirty="0"/>
+          </a:p>
+          <a:p>
+            <a:pPr marL="0" indent="0">
+              <a:buNone/>
+            </a:pPr>
+            <a:endParaRPr lang="en-US" dirty="0"/>
+          </a:p>
+          <a:p>
+            <a:endParaRPr lang="en-US" dirty="0"/>
+          </a:p>
+          <a:p>
+            <a:endParaRPr lang="en-US" dirty="0"/>
+          </a:p>
+        </p:txBody>
+      </p:sp>
+      <p:sp>
+        <p:nvSpPr>
+          <p:cNvPr id="4" name="Footer Placeholder 3"/>
+          <p:cNvSpPr>
+            <a:spLocks noGrp="1"/>
+          </p:cNvSpPr>
+          <p:nvPr>
+            <p:ph type="ftr" sz="quarter" idx="11"/>
+          </p:nvPr>
+        </p:nvSpPr>
+        <p:spPr/>
+        <p:txBody>
+          <a:bodyPr/>
+          <a:lstStyle/>
+          <a:p>
+            <a:r>
+              <a:rPr lang="en-US" smtClean="0"/>
+              <a:t>Copyright 2017, EV3Lessons.com (Last Edit 8/24/2017)</a:t>
+            </a:r>
+            <a:endParaRPr lang="en-US" dirty="0"/>
+          </a:p>
+        </p:txBody>
+      </p:sp>
+      <p:sp>
+        <p:nvSpPr>
+          <p:cNvPr id="5" name="Slide Number Placeholder 4"/>
+          <p:cNvSpPr>
+            <a:spLocks noGrp="1"/>
+          </p:cNvSpPr>
+          <p:nvPr>
+            <p:ph type="sldNum" sz="quarter" idx="12"/>
+          </p:nvPr>
+        </p:nvSpPr>
+        <p:spPr/>
+        <p:txBody>
+          <a:bodyPr/>
+          <a:lstStyle/>
+          <a:p>
+            <a:fld id="{6D22F896-40B5-4ADD-8801-0D06FADFA095}" type="slidenum">
+              <a:rPr lang="en-US" smtClean="0"/>
+              <a:t>3</a:t>
+            </a:fld>
+            <a:endParaRPr lang="en-US" dirty="0"/>
+          </a:p>
+        </p:txBody>
+      </p:sp>
+      <p:pic>
+        <p:nvPicPr>
+          <p:cNvPr id="6" name="Picture 5"/>
+          <p:cNvPicPr>
+            <a:picLocks noChangeAspect="1"/>
+          </p:cNvPicPr>
+          <p:nvPr/>
+        </p:nvPicPr>
+        <p:blipFill rotWithShape="1">
+          <a:blip r:embed="rId2">
+            <a:extLst>
+              <a:ext uri="{28A0092B-C50C-407E-A947-70E740481C1C}">
+                <a14:useLocalDpi xmlns:a14="http://schemas.microsoft.com/office/drawing/2010/main" val="0"/>
+              </a:ext>
+            </a:extLst>
+          </a:blip>
+          <a:srcRect l="9379" t="11606" r="9183" b="11463"/>
+          <a:stretch/>
+        </p:blipFill>
+        <p:spPr>
+          <a:xfrm>
+            <a:off x="241739" y="3890368"/>
+            <a:ext cx="8620008" cy="2087099"/>
+          </a:xfrm>
+          <a:prstGeom prst="rect">
+            <a:avLst/>
+          </a:prstGeom>
+        </p:spPr>
+      </p:pic>
+    </p:spTree>
+    <p:extLst>
+      <p:ext uri="{BB962C8B-B14F-4D97-AF65-F5344CB8AC3E}">
+        <p14:creationId xmlns:p14="http://schemas.microsoft.com/office/powerpoint/2010/main" val="942198661"/>
       </p:ext>
     </p:extLst>
   </p:cSld>
